--- a/itk asic presentation.pptx
+++ b/itk asic presentation.pptx
@@ -222,7 +222,7 @@
           <a:p>
             <a:fld id="{63D444C9-B5A1-44A4-B3D2-4390C992AE2D}" type="datetimeFigureOut">
               <a:rPr lang="en-US" smtClean="0"/>
-              <a:t>6/19/2023</a:t>
+              <a:t>6/20/2023</a:t>
             </a:fld>
             <a:endParaRPr lang="en-US"/>
           </a:p>
@@ -4530,7 +4530,35 @@
                 <a:latin typeface="Times New Roman" panose="02020603050405020304" pitchFamily="18" charset="0"/>
                 <a:cs typeface="Times New Roman" panose="02020603050405020304" pitchFamily="18" charset="0"/>
               </a:rPr>
-              <a:t> and </a:t>
+              <a:t> (</a:t>
+            </a:r>
+            <a:r>
+              <a:rPr lang="de-DE" dirty="0" err="1">
+                <a:latin typeface="Times New Roman" panose="02020603050405020304" pitchFamily="18" charset="0"/>
+                <a:cs typeface="Times New Roman" panose="02020603050405020304" pitchFamily="18" charset="0"/>
+              </a:rPr>
+              <a:t>register</a:t>
+            </a:r>
+            <a:r>
+              <a:rPr lang="de-DE" dirty="0">
+                <a:latin typeface="Times New Roman" panose="02020603050405020304" pitchFamily="18" charset="0"/>
+                <a:cs typeface="Times New Roman" panose="02020603050405020304" pitchFamily="18" charset="0"/>
+              </a:rPr>
+              <a:t> </a:t>
+            </a:r>
+            <a:r>
+              <a:rPr lang="de-DE" dirty="0" err="1">
+                <a:latin typeface="Times New Roman" panose="02020603050405020304" pitchFamily="18" charset="0"/>
+                <a:cs typeface="Times New Roman" panose="02020603050405020304" pitchFamily="18" charset="0"/>
+              </a:rPr>
+              <a:t>content</a:t>
+            </a:r>
+            <a:r>
+              <a:rPr lang="de-DE" dirty="0">
+                <a:latin typeface="Times New Roman" panose="02020603050405020304" pitchFamily="18" charset="0"/>
+                <a:cs typeface="Times New Roman" panose="02020603050405020304" pitchFamily="18" charset="0"/>
+              </a:rPr>
+              <a:t>) and </a:t>
             </a:r>
             <a:r>
               <a:rPr lang="de-DE" dirty="0" err="1">
@@ -4889,7 +4917,7 @@
                 <a:latin typeface="Times New Roman" panose="02020603050405020304" pitchFamily="18" charset="0"/>
                 <a:cs typeface="Times New Roman" panose="02020603050405020304" pitchFamily="18" charset="0"/>
               </a:rPr>
-              <a:t>of</a:t>
+              <a:t>to</a:t>
             </a:r>
             <a:r>
               <a:rPr lang="de-DE" dirty="0">
@@ -4903,6 +4931,20 @@
                 <a:latin typeface="Times New Roman" panose="02020603050405020304" pitchFamily="18" charset="0"/>
                 <a:cs typeface="Times New Roman" panose="02020603050405020304" pitchFamily="18" charset="0"/>
               </a:rPr>
+              <a:t>new</a:t>
+            </a:r>
+            <a:r>
+              <a:rPr lang="de-DE" dirty="0">
+                <a:latin typeface="Times New Roman" panose="02020603050405020304" pitchFamily="18" charset="0"/>
+                <a:cs typeface="Times New Roman" panose="02020603050405020304" pitchFamily="18" charset="0"/>
+              </a:rPr>
+              <a:t> </a:t>
+            </a:r>
+            <a:r>
+              <a:rPr lang="de-DE" dirty="0" err="1">
+                <a:latin typeface="Times New Roman" panose="02020603050405020304" pitchFamily="18" charset="0"/>
+                <a:cs typeface="Times New Roman" panose="02020603050405020304" pitchFamily="18" charset="0"/>
+              </a:rPr>
               <a:t>register</a:t>
             </a:r>
             <a:r>
@@ -4917,21 +4959,63 @@
                 <a:latin typeface="Times New Roman" panose="02020603050405020304" pitchFamily="18" charset="0"/>
                 <a:cs typeface="Times New Roman" panose="02020603050405020304" pitchFamily="18" charset="0"/>
               </a:rPr>
-              <a:t>order</a:t>
+              <a:t>maps</a:t>
             </a:r>
             <a:r>
               <a:rPr lang="de-DE" dirty="0">
                 <a:latin typeface="Times New Roman" panose="02020603050405020304" pitchFamily="18" charset="0"/>
                 <a:cs typeface="Times New Roman" panose="02020603050405020304" pitchFamily="18" charset="0"/>
               </a:rPr>
-              <a:t> and </a:t>
+              <a:t> </a:t>
             </a:r>
             <a:r>
               <a:rPr lang="de-DE" dirty="0" err="1">
                 <a:latin typeface="Times New Roman" panose="02020603050405020304" pitchFamily="18" charset="0"/>
                 <a:cs typeface="Times New Roman" panose="02020603050405020304" pitchFamily="18" charset="0"/>
               </a:rPr>
-              <a:t>configuration</a:t>
+              <a:t>for</a:t>
+            </a:r>
+            <a:r>
+              <a:rPr lang="de-DE" dirty="0">
+                <a:latin typeface="Times New Roman" panose="02020603050405020304" pitchFamily="18" charset="0"/>
+                <a:cs typeface="Times New Roman" panose="02020603050405020304" pitchFamily="18" charset="0"/>
+              </a:rPr>
+              <a:t> </a:t>
+            </a:r>
+            <a:r>
+              <a:rPr lang="de-DE" dirty="0" err="1">
+                <a:latin typeface="Times New Roman" panose="02020603050405020304" pitchFamily="18" charset="0"/>
+                <a:cs typeface="Times New Roman" panose="02020603050405020304" pitchFamily="18" charset="0"/>
+              </a:rPr>
+              <a:t>ABCStar</a:t>
+            </a:r>
+            <a:r>
+              <a:rPr lang="de-DE" dirty="0">
+                <a:latin typeface="Times New Roman" panose="02020603050405020304" pitchFamily="18" charset="0"/>
+                <a:cs typeface="Times New Roman" panose="02020603050405020304" pitchFamily="18" charset="0"/>
+              </a:rPr>
+              <a:t> v1, </a:t>
+            </a:r>
+            <a:r>
+              <a:rPr lang="de-DE" dirty="0" err="1">
+                <a:latin typeface="Times New Roman" panose="02020603050405020304" pitchFamily="18" charset="0"/>
+                <a:cs typeface="Times New Roman" panose="02020603050405020304" pitchFamily="18" charset="0"/>
+              </a:rPr>
+              <a:t>HCCStar</a:t>
+            </a:r>
+            <a:r>
+              <a:rPr lang="de-DE" dirty="0">
+                <a:latin typeface="Times New Roman" panose="02020603050405020304" pitchFamily="18" charset="0"/>
+                <a:cs typeface="Times New Roman" panose="02020603050405020304" pitchFamily="18" charset="0"/>
+              </a:rPr>
+              <a:t> v1, and </a:t>
+            </a:r>
+            <a:r>
+              <a:rPr lang="de-DE" dirty="0" err="1">
+                <a:latin typeface="Times New Roman" panose="02020603050405020304" pitchFamily="18" charset="0"/>
+                <a:cs typeface="Times New Roman" panose="02020603050405020304" pitchFamily="18" charset="0"/>
+              </a:rPr>
+              <a:t>AMACStar</a:t>
             </a:r>
             <a:endParaRPr lang="de-DE" dirty="0">
               <a:latin typeface="Times New Roman" panose="02020603050405020304" pitchFamily="18" charset="0"/>
@@ -5892,92 +5976,19 @@
           <a:chExt cx="0" cy="0"/>
         </a:xfrm>
       </p:grpSpPr>
-      <p:sp>
-        <p:nvSpPr>
-          <p:cNvPr id="2" name="Title 1">
+      <p:pic>
+        <p:nvPicPr>
+          <p:cNvPr id="13" name="Picture 12" descr="A screenshot of a computer&#10;&#10;Description automatically generated with medium confidence">
             <a:extLst>
               <a:ext uri="{FF2B5EF4-FFF2-40B4-BE49-F238E27FC236}">
-                <a16:creationId xmlns:a16="http://schemas.microsoft.com/office/drawing/2014/main" id="{0F2EB449-4AE8-18B4-69C1-ADAA5E80181B}"/>
-              </a:ext>
-            </a:extLst>
-          </p:cNvPr>
-          <p:cNvSpPr>
-            <a:spLocks noGrp="1"/>
-          </p:cNvSpPr>
-          <p:nvPr>
-            <p:ph type="title"/>
-          </p:nvPr>
-        </p:nvSpPr>
-        <p:spPr/>
-        <p:txBody>
-          <a:bodyPr/>
-          <a:lstStyle/>
-          <a:p>
-            <a:pPr algn="ctr"/>
-            <a:r>
-              <a:rPr lang="de-DE" dirty="0" err="1">
-                <a:latin typeface="Times New Roman" panose="02020603050405020304" pitchFamily="18" charset="0"/>
-                <a:cs typeface="Times New Roman" panose="02020603050405020304" pitchFamily="18" charset="0"/>
-              </a:rPr>
-              <a:t>Conversion</a:t>
-            </a:r>
-            <a:r>
-              <a:rPr lang="de-DE" dirty="0">
-                <a:latin typeface="Times New Roman" panose="02020603050405020304" pitchFamily="18" charset="0"/>
-                <a:cs typeface="Times New Roman" panose="02020603050405020304" pitchFamily="18" charset="0"/>
-              </a:rPr>
-              <a:t> </a:t>
-            </a:r>
-            <a:r>
-              <a:rPr lang="de-DE" dirty="0" err="1">
-                <a:latin typeface="Times New Roman" panose="02020603050405020304" pitchFamily="18" charset="0"/>
-                <a:cs typeface="Times New Roman" panose="02020603050405020304" pitchFamily="18" charset="0"/>
-              </a:rPr>
-              <a:t>with</a:t>
-            </a:r>
-            <a:r>
-              <a:rPr lang="de-DE" dirty="0">
-                <a:latin typeface="Times New Roman" panose="02020603050405020304" pitchFamily="18" charset="0"/>
-                <a:cs typeface="Times New Roman" panose="02020603050405020304" pitchFamily="18" charset="0"/>
-              </a:rPr>
-              <a:t> </a:t>
-            </a:r>
-            <a:r>
-              <a:rPr lang="de-DE" dirty="0" err="1">
-                <a:latin typeface="Times New Roman" panose="02020603050405020304" pitchFamily="18" charset="0"/>
-                <a:cs typeface="Times New Roman" panose="02020603050405020304" pitchFamily="18" charset="0"/>
-              </a:rPr>
-              <a:t>Example</a:t>
-            </a:r>
-            <a:r>
-              <a:rPr lang="de-DE" dirty="0">
-                <a:latin typeface="Times New Roman" panose="02020603050405020304" pitchFamily="18" charset="0"/>
-                <a:cs typeface="Times New Roman" panose="02020603050405020304" pitchFamily="18" charset="0"/>
-              </a:rPr>
-              <a:t> 1</a:t>
-            </a:r>
-            <a:endParaRPr lang="en-US" dirty="0">
-              <a:latin typeface="Times New Roman" panose="02020603050405020304" pitchFamily="18" charset="0"/>
-              <a:cs typeface="Times New Roman" panose="02020603050405020304" pitchFamily="18" charset="0"/>
-            </a:endParaRPr>
-          </a:p>
-        </p:txBody>
-      </p:sp>
-      <p:pic>
-        <p:nvPicPr>
-          <p:cNvPr id="7" name="Content Placeholder 6" descr="A screenshot of a computer&#10;&#10;Description automatically generated with medium confidence">
-            <a:extLst>
-              <a:ext uri="{FF2B5EF4-FFF2-40B4-BE49-F238E27FC236}">
-                <a16:creationId xmlns:a16="http://schemas.microsoft.com/office/drawing/2014/main" id="{39DC2658-A58B-E555-7AEC-C80ACB2DE361}"/>
+                <a16:creationId xmlns:a16="http://schemas.microsoft.com/office/drawing/2014/main" id="{6FCBF3F6-AC40-77D0-A08E-AA962B7031E4}"/>
               </a:ext>
             </a:extLst>
           </p:cNvPr>
           <p:cNvPicPr>
-            <a:picLocks noGrp="1" noChangeAspect="1"/>
+            <a:picLocks noChangeAspect="1"/>
           </p:cNvPicPr>
-          <p:nvPr>
-            <p:ph idx="1"/>
-          </p:nvPr>
+          <p:nvPr/>
         </p:nvPicPr>
         <p:blipFill>
           <a:blip r:embed="rId2">
@@ -5993,74 +6004,20 @@
         </p:blipFill>
         <p:spPr>
           <a:xfrm>
-            <a:off x="1097280" y="1951468"/>
-            <a:ext cx="2472271" cy="3751865"/>
+            <a:off x="4280345" y="2532626"/>
+            <a:ext cx="3712801" cy="2329283"/>
           </a:xfrm>
+          <a:prstGeom prst="rect">
+            <a:avLst/>
+          </a:prstGeom>
         </p:spPr>
       </p:pic>
-      <p:sp>
-        <p:nvSpPr>
-          <p:cNvPr id="4" name="Date Placeholder 3">
+      <p:pic>
+        <p:nvPicPr>
+          <p:cNvPr id="10" name="Picture 9" descr="A screenshot of a computer program&#10;&#10;Description automatically generated with low confidence">
             <a:extLst>
               <a:ext uri="{FF2B5EF4-FFF2-40B4-BE49-F238E27FC236}">
-                <a16:creationId xmlns:a16="http://schemas.microsoft.com/office/drawing/2014/main" id="{B4ACF7B7-1E44-508E-C2F3-2C334F61E074}"/>
-              </a:ext>
-            </a:extLst>
-          </p:cNvPr>
-          <p:cNvSpPr>
-            <a:spLocks noGrp="1"/>
-          </p:cNvSpPr>
-          <p:nvPr>
-            <p:ph type="dt" sz="half" idx="10"/>
-          </p:nvPr>
-        </p:nvSpPr>
-        <p:spPr/>
-        <p:txBody>
-          <a:bodyPr/>
-          <a:lstStyle/>
-          <a:p>
-            <a:r>
-              <a:rPr lang="en-US"/>
-              <a:t>22.06.2023</a:t>
-            </a:r>
-          </a:p>
-        </p:txBody>
-      </p:sp>
-      <p:sp>
-        <p:nvSpPr>
-          <p:cNvPr id="5" name="Slide Number Placeholder 4">
-            <a:extLst>
-              <a:ext uri="{FF2B5EF4-FFF2-40B4-BE49-F238E27FC236}">
-                <a16:creationId xmlns:a16="http://schemas.microsoft.com/office/drawing/2014/main" id="{86F71B9D-48D3-4984-C7D2-EEA08FDC4E5E}"/>
-              </a:ext>
-            </a:extLst>
-          </p:cNvPr>
-          <p:cNvSpPr>
-            <a:spLocks noGrp="1"/>
-          </p:cNvSpPr>
-          <p:nvPr>
-            <p:ph type="sldNum" sz="quarter" idx="12"/>
-          </p:nvPr>
-        </p:nvSpPr>
-        <p:spPr/>
-        <p:txBody>
-          <a:bodyPr/>
-          <a:lstStyle/>
-          <a:p>
-            <a:fld id="{73742D75-8AE6-4B9D-B26F-34D112FD718B}" type="slidenum">
-              <a:rPr lang="en-US" smtClean="0"/>
-              <a:t>5</a:t>
-            </a:fld>
-            <a:endParaRPr lang="en-US"/>
-          </a:p>
-        </p:txBody>
-      </p:sp>
-      <p:pic>
-        <p:nvPicPr>
-          <p:cNvPr id="9" name="Picture 8" descr="A screenshot of a computer&#10;&#10;Description automatically generated with medium confidence">
-            <a:extLst>
-              <a:ext uri="{FF2B5EF4-FFF2-40B4-BE49-F238E27FC236}">
-                <a16:creationId xmlns:a16="http://schemas.microsoft.com/office/drawing/2014/main" id="{35D0A89A-FDE4-FD3C-1902-F78EE32CEED7}"/>
+                <a16:creationId xmlns:a16="http://schemas.microsoft.com/office/drawing/2014/main" id="{603CDAA5-4456-53A9-F0EA-0B9AF598BB77}"/>
               </a:ext>
             </a:extLst>
           </p:cNvPr>
@@ -6069,7 +6026,7 @@
           </p:cNvPicPr>
           <p:nvPr/>
         </p:nvPicPr>
-        <p:blipFill rotWithShape="1">
+        <p:blipFill>
           <a:blip r:embed="rId3">
             <a:extLst>
               <a:ext uri="{28A0092B-C50C-407E-A947-70E740481C1C}">
@@ -6077,19 +6034,148 @@
               </a:ext>
             </a:extLst>
           </a:blip>
-          <a:srcRect r="4541"/>
-          <a:stretch/>
+          <a:stretch>
+            <a:fillRect/>
+          </a:stretch>
         </p:blipFill>
         <p:spPr>
           <a:xfrm>
-            <a:off x="3946876" y="1951467"/>
-            <a:ext cx="2472271" cy="3751865"/>
+            <a:off x="452388" y="2532626"/>
+            <a:ext cx="3712801" cy="2323839"/>
           </a:xfrm>
           <a:prstGeom prst="rect">
             <a:avLst/>
           </a:prstGeom>
         </p:spPr>
       </p:pic>
+      <p:sp>
+        <p:nvSpPr>
+          <p:cNvPr id="2" name="Title 1">
+            <a:extLst>
+              <a:ext uri="{FF2B5EF4-FFF2-40B4-BE49-F238E27FC236}">
+                <a16:creationId xmlns:a16="http://schemas.microsoft.com/office/drawing/2014/main" id="{0F2EB449-4AE8-18B4-69C1-ADAA5E80181B}"/>
+              </a:ext>
+            </a:extLst>
+          </p:cNvPr>
+          <p:cNvSpPr>
+            <a:spLocks noGrp="1"/>
+          </p:cNvSpPr>
+          <p:nvPr>
+            <p:ph type="title"/>
+          </p:nvPr>
+        </p:nvSpPr>
+        <p:spPr/>
+        <p:txBody>
+          <a:bodyPr/>
+          <a:lstStyle/>
+          <a:p>
+            <a:pPr algn="ctr"/>
+            <a:r>
+              <a:rPr lang="de-DE" dirty="0" err="1">
+                <a:latin typeface="Times New Roman" panose="02020603050405020304" pitchFamily="18" charset="0"/>
+                <a:cs typeface="Times New Roman" panose="02020603050405020304" pitchFamily="18" charset="0"/>
+              </a:rPr>
+              <a:t>Conversion</a:t>
+            </a:r>
+            <a:r>
+              <a:rPr lang="de-DE" dirty="0">
+                <a:latin typeface="Times New Roman" panose="02020603050405020304" pitchFamily="18" charset="0"/>
+                <a:cs typeface="Times New Roman" panose="02020603050405020304" pitchFamily="18" charset="0"/>
+              </a:rPr>
+              <a:t> </a:t>
+            </a:r>
+            <a:r>
+              <a:rPr lang="de-DE" dirty="0" err="1">
+                <a:latin typeface="Times New Roman" panose="02020603050405020304" pitchFamily="18" charset="0"/>
+                <a:cs typeface="Times New Roman" panose="02020603050405020304" pitchFamily="18" charset="0"/>
+              </a:rPr>
+              <a:t>with</a:t>
+            </a:r>
+            <a:r>
+              <a:rPr lang="de-DE" dirty="0">
+                <a:latin typeface="Times New Roman" panose="02020603050405020304" pitchFamily="18" charset="0"/>
+                <a:cs typeface="Times New Roman" panose="02020603050405020304" pitchFamily="18" charset="0"/>
+              </a:rPr>
+              <a:t> </a:t>
+            </a:r>
+            <a:r>
+              <a:rPr lang="de-DE" dirty="0" err="1">
+                <a:latin typeface="Times New Roman" panose="02020603050405020304" pitchFamily="18" charset="0"/>
+                <a:cs typeface="Times New Roman" panose="02020603050405020304" pitchFamily="18" charset="0"/>
+              </a:rPr>
+              <a:t>Example</a:t>
+            </a:r>
+            <a:r>
+              <a:rPr lang="de-DE" dirty="0">
+                <a:latin typeface="Times New Roman" panose="02020603050405020304" pitchFamily="18" charset="0"/>
+                <a:cs typeface="Times New Roman" panose="02020603050405020304" pitchFamily="18" charset="0"/>
+              </a:rPr>
+              <a:t> 1</a:t>
+            </a:r>
+            <a:endParaRPr lang="en-US" dirty="0">
+              <a:latin typeface="Times New Roman" panose="02020603050405020304" pitchFamily="18" charset="0"/>
+              <a:cs typeface="Times New Roman" panose="02020603050405020304" pitchFamily="18" charset="0"/>
+            </a:endParaRPr>
+          </a:p>
+        </p:txBody>
+      </p:sp>
+      <p:sp>
+        <p:nvSpPr>
+          <p:cNvPr id="4" name="Date Placeholder 3">
+            <a:extLst>
+              <a:ext uri="{FF2B5EF4-FFF2-40B4-BE49-F238E27FC236}">
+                <a16:creationId xmlns:a16="http://schemas.microsoft.com/office/drawing/2014/main" id="{B4ACF7B7-1E44-508E-C2F3-2C334F61E074}"/>
+              </a:ext>
+            </a:extLst>
+          </p:cNvPr>
+          <p:cNvSpPr>
+            <a:spLocks noGrp="1"/>
+          </p:cNvSpPr>
+          <p:nvPr>
+            <p:ph type="dt" sz="half" idx="10"/>
+          </p:nvPr>
+        </p:nvSpPr>
+        <p:spPr/>
+        <p:txBody>
+          <a:bodyPr/>
+          <a:lstStyle/>
+          <a:p>
+            <a:r>
+              <a:rPr lang="en-US"/>
+              <a:t>22.06.2023</a:t>
+            </a:r>
+          </a:p>
+        </p:txBody>
+      </p:sp>
+      <p:sp>
+        <p:nvSpPr>
+          <p:cNvPr id="5" name="Slide Number Placeholder 4">
+            <a:extLst>
+              <a:ext uri="{FF2B5EF4-FFF2-40B4-BE49-F238E27FC236}">
+                <a16:creationId xmlns:a16="http://schemas.microsoft.com/office/drawing/2014/main" id="{86F71B9D-48D3-4984-C7D2-EEA08FDC4E5E}"/>
+              </a:ext>
+            </a:extLst>
+          </p:cNvPr>
+          <p:cNvSpPr>
+            <a:spLocks noGrp="1"/>
+          </p:cNvSpPr>
+          <p:nvPr>
+            <p:ph type="sldNum" sz="quarter" idx="12"/>
+          </p:nvPr>
+        </p:nvSpPr>
+        <p:spPr/>
+        <p:txBody>
+          <a:bodyPr/>
+          <a:lstStyle/>
+          <a:p>
+            <a:fld id="{73742D75-8AE6-4B9D-B26F-34D112FD718B}" type="slidenum">
+              <a:rPr lang="en-US" smtClean="0"/>
+              <a:t>5</a:t>
+            </a:fld>
+            <a:endParaRPr lang="en-US"/>
+          </a:p>
+        </p:txBody>
+      </p:sp>
       <p:pic>
         <p:nvPicPr>
           <p:cNvPr id="11" name="Picture 10" descr="A screenshot of a computer&#10;&#10;Description automatically generated with medium confidence">
@@ -6118,7 +6204,7 @@
         </p:blipFill>
         <p:spPr>
           <a:xfrm>
-            <a:off x="7510409" y="2752928"/>
+            <a:off x="8092089" y="2766066"/>
             <a:ext cx="3584311" cy="1906692"/>
           </a:xfrm>
           <a:prstGeom prst="rect">
@@ -6140,8 +6226,8 @@
         </p:nvSpPr>
         <p:spPr>
           <a:xfrm>
-            <a:off x="859370" y="5715150"/>
-            <a:ext cx="2898843" cy="523220"/>
+            <a:off x="452387" y="4897051"/>
+            <a:ext cx="3712801" cy="523220"/>
           </a:xfrm>
           <a:prstGeom prst="rect">
             <a:avLst/>
@@ -6209,14 +6295,14 @@
                 <a:latin typeface="Times New Roman" panose="02020603050405020304" pitchFamily="18" charset="0"/>
                 <a:cs typeface="Times New Roman" panose="02020603050405020304" pitchFamily="18" charset="0"/>
               </a:rPr>
-              <a:t>HCCStar</a:t>
+              <a:t>ABCStar</a:t>
             </a:r>
             <a:r>
               <a:rPr lang="de-DE" sz="1400" i="1" dirty="0">
                 <a:latin typeface="Times New Roman" panose="02020603050405020304" pitchFamily="18" charset="0"/>
                 <a:cs typeface="Times New Roman" panose="02020603050405020304" pitchFamily="18" charset="0"/>
               </a:rPr>
-              <a:t> Register 0</a:t>
+              <a:t> Register 1</a:t>
             </a:r>
             <a:endParaRPr lang="en-US" sz="1400" i="1" dirty="0">
               <a:latin typeface="Times New Roman" panose="02020603050405020304" pitchFamily="18" charset="0"/>
@@ -6239,8 +6325,8 @@
         </p:nvSpPr>
         <p:spPr>
           <a:xfrm>
-            <a:off x="3783896" y="5715150"/>
-            <a:ext cx="2798229" cy="523220"/>
+            <a:off x="4280345" y="4897051"/>
+            <a:ext cx="3712801" cy="523220"/>
           </a:xfrm>
           <a:prstGeom prst="rect">
             <a:avLst/>
@@ -6308,14 +6394,14 @@
                 <a:latin typeface="Times New Roman" panose="02020603050405020304" pitchFamily="18" charset="0"/>
                 <a:cs typeface="Times New Roman" panose="02020603050405020304" pitchFamily="18" charset="0"/>
               </a:rPr>
-              <a:t>HCCStar</a:t>
+              <a:t>ABCStar</a:t>
             </a:r>
             <a:r>
               <a:rPr lang="de-DE" sz="1400" i="1" dirty="0">
                 <a:latin typeface="Times New Roman" panose="02020603050405020304" pitchFamily="18" charset="0"/>
                 <a:cs typeface="Times New Roman" panose="02020603050405020304" pitchFamily="18" charset="0"/>
               </a:rPr>
-              <a:t> Register 0</a:t>
+              <a:t> Register 1</a:t>
             </a:r>
             <a:endParaRPr lang="en-US" sz="1400" i="1" dirty="0">
               <a:latin typeface="Times New Roman" panose="02020603050405020304" pitchFamily="18" charset="0"/>
@@ -6338,7 +6424,7 @@
         </p:nvSpPr>
         <p:spPr>
           <a:xfrm>
-            <a:off x="7510409" y="4729503"/>
+            <a:off x="8200417" y="4935710"/>
             <a:ext cx="3584311" cy="307777"/>
           </a:xfrm>
           <a:prstGeom prst="rect">
@@ -6395,7 +6481,7 @@
         </p:nvSpPr>
         <p:spPr>
           <a:xfrm>
-            <a:off x="1780162" y="2869660"/>
+            <a:off x="1245942" y="3577814"/>
             <a:ext cx="544749" cy="116731"/>
           </a:xfrm>
           <a:prstGeom prst="rect">
@@ -6449,7 +6535,7 @@
         </p:nvSpPr>
         <p:spPr>
           <a:xfrm>
-            <a:off x="5183010" y="2869659"/>
+            <a:off x="5641157" y="3602681"/>
             <a:ext cx="544749" cy="116731"/>
           </a:xfrm>
           <a:prstGeom prst="rect">
@@ -6503,8 +6589,8 @@
         </p:nvSpPr>
         <p:spPr>
           <a:xfrm>
-            <a:off x="7587574" y="3633736"/>
-            <a:ext cx="846307" cy="865762"/>
+            <a:off x="8108302" y="3635593"/>
+            <a:ext cx="898046" cy="865762"/>
           </a:xfrm>
           <a:prstGeom prst="rect">
             <a:avLst/>
@@ -6557,8 +6643,8 @@
         </p:nvSpPr>
         <p:spPr>
           <a:xfrm>
-            <a:off x="1130462" y="2752928"/>
-            <a:ext cx="1307938" cy="104915"/>
+            <a:off x="515600" y="3421040"/>
+            <a:ext cx="1460684" cy="105777"/>
           </a:xfrm>
           <a:prstGeom prst="rect">
             <a:avLst/>
@@ -6627,92 +6713,19 @@
           <a:chExt cx="0" cy="0"/>
         </a:xfrm>
       </p:grpSpPr>
-      <p:sp>
-        <p:nvSpPr>
-          <p:cNvPr id="2" name="Title 1">
+      <p:pic>
+        <p:nvPicPr>
+          <p:cNvPr id="18" name="Picture 17" descr="A screenshot of a computer program&#10;&#10;Description automatically generated with medium confidence">
             <a:extLst>
               <a:ext uri="{FF2B5EF4-FFF2-40B4-BE49-F238E27FC236}">
-                <a16:creationId xmlns:a16="http://schemas.microsoft.com/office/drawing/2014/main" id="{80D1EA18-246D-47FE-12A1-994D39A9F5FE}"/>
-              </a:ext>
-            </a:extLst>
-          </p:cNvPr>
-          <p:cNvSpPr>
-            <a:spLocks noGrp="1"/>
-          </p:cNvSpPr>
-          <p:nvPr>
-            <p:ph type="title"/>
-          </p:nvPr>
-        </p:nvSpPr>
-        <p:spPr/>
-        <p:txBody>
-          <a:bodyPr/>
-          <a:lstStyle/>
-          <a:p>
-            <a:pPr algn="ctr"/>
-            <a:r>
-              <a:rPr lang="de-DE" dirty="0" err="1">
-                <a:latin typeface="Times New Roman" panose="02020603050405020304" pitchFamily="18" charset="0"/>
-                <a:cs typeface="Times New Roman" panose="02020603050405020304" pitchFamily="18" charset="0"/>
-              </a:rPr>
-              <a:t>Conversion</a:t>
-            </a:r>
-            <a:r>
-              <a:rPr lang="de-DE" dirty="0">
-                <a:latin typeface="Times New Roman" panose="02020603050405020304" pitchFamily="18" charset="0"/>
-                <a:cs typeface="Times New Roman" panose="02020603050405020304" pitchFamily="18" charset="0"/>
-              </a:rPr>
-              <a:t> </a:t>
-            </a:r>
-            <a:r>
-              <a:rPr lang="de-DE" dirty="0" err="1">
-                <a:latin typeface="Times New Roman" panose="02020603050405020304" pitchFamily="18" charset="0"/>
-                <a:cs typeface="Times New Roman" panose="02020603050405020304" pitchFamily="18" charset="0"/>
-              </a:rPr>
-              <a:t>with</a:t>
-            </a:r>
-            <a:r>
-              <a:rPr lang="de-DE" dirty="0">
-                <a:latin typeface="Times New Roman" panose="02020603050405020304" pitchFamily="18" charset="0"/>
-                <a:cs typeface="Times New Roman" panose="02020603050405020304" pitchFamily="18" charset="0"/>
-              </a:rPr>
-              <a:t> </a:t>
-            </a:r>
-            <a:r>
-              <a:rPr lang="de-DE" dirty="0" err="1">
-                <a:latin typeface="Times New Roman" panose="02020603050405020304" pitchFamily="18" charset="0"/>
-                <a:cs typeface="Times New Roman" panose="02020603050405020304" pitchFamily="18" charset="0"/>
-              </a:rPr>
-              <a:t>Example</a:t>
-            </a:r>
-            <a:r>
-              <a:rPr lang="de-DE" dirty="0">
-                <a:latin typeface="Times New Roman" panose="02020603050405020304" pitchFamily="18" charset="0"/>
-                <a:cs typeface="Times New Roman" panose="02020603050405020304" pitchFamily="18" charset="0"/>
-              </a:rPr>
-              <a:t> 2</a:t>
-            </a:r>
-            <a:endParaRPr lang="en-US" dirty="0">
-              <a:latin typeface="Times New Roman" panose="02020603050405020304" pitchFamily="18" charset="0"/>
-              <a:cs typeface="Times New Roman" panose="02020603050405020304" pitchFamily="18" charset="0"/>
-            </a:endParaRPr>
-          </a:p>
-        </p:txBody>
-      </p:sp>
-      <p:pic>
-        <p:nvPicPr>
-          <p:cNvPr id="7" name="Content Placeholder 6" descr="A screenshot of a computer&#10;&#10;Description automatically generated with medium confidence">
-            <a:extLst>
-              <a:ext uri="{FF2B5EF4-FFF2-40B4-BE49-F238E27FC236}">
-                <a16:creationId xmlns:a16="http://schemas.microsoft.com/office/drawing/2014/main" id="{422D263F-AD09-3CB0-9BD2-02BE238D7B8F}"/>
+                <a16:creationId xmlns:a16="http://schemas.microsoft.com/office/drawing/2014/main" id="{32379F95-B557-0AA0-B0B5-38AFA64052B6}"/>
               </a:ext>
             </a:extLst>
           </p:cNvPr>
           <p:cNvPicPr>
-            <a:picLocks noGrp="1" noChangeAspect="1"/>
+            <a:picLocks noChangeAspect="1"/>
           </p:cNvPicPr>
-          <p:nvPr>
-            <p:ph idx="1"/>
-          </p:nvPr>
+          <p:nvPr/>
         </p:nvPicPr>
         <p:blipFill>
           <a:blip r:embed="rId2">
@@ -6728,11 +6741,90 @@
         </p:blipFill>
         <p:spPr>
           <a:xfrm>
-            <a:off x="808835" y="2237832"/>
-            <a:ext cx="5521432" cy="3002635"/>
+            <a:off x="6712900" y="2142839"/>
+            <a:ext cx="4673062" cy="3132333"/>
+          </a:xfrm>
+          <a:prstGeom prst="rect">
+            <a:avLst/>
+          </a:prstGeom>
+        </p:spPr>
+      </p:pic>
+      <p:sp>
+        <p:nvSpPr>
+          <p:cNvPr id="2" name="Title 1">
+            <a:extLst>
+              <a:ext uri="{FF2B5EF4-FFF2-40B4-BE49-F238E27FC236}">
+                <a16:creationId xmlns:a16="http://schemas.microsoft.com/office/drawing/2014/main" id="{80D1EA18-246D-47FE-12A1-994D39A9F5FE}"/>
+              </a:ext>
+            </a:extLst>
+          </p:cNvPr>
+          <p:cNvSpPr>
+            <a:spLocks noGrp="1"/>
+          </p:cNvSpPr>
+          <p:nvPr>
+            <p:ph type="title"/>
+          </p:nvPr>
+        </p:nvSpPr>
+        <p:spPr>
+          <a:xfrm>
+            <a:off x="1097280" y="207945"/>
+            <a:ext cx="10058400" cy="1450757"/>
           </a:xfrm>
         </p:spPr>
-      </p:pic>
+        <p:txBody>
+          <a:bodyPr/>
+          <a:lstStyle/>
+          <a:p>
+            <a:pPr algn="ctr"/>
+            <a:r>
+              <a:rPr lang="de-DE" dirty="0" err="1">
+                <a:latin typeface="Times New Roman" panose="02020603050405020304" pitchFamily="18" charset="0"/>
+                <a:cs typeface="Times New Roman" panose="02020603050405020304" pitchFamily="18" charset="0"/>
+              </a:rPr>
+              <a:t>Conversion</a:t>
+            </a:r>
+            <a:r>
+              <a:rPr lang="de-DE" dirty="0">
+                <a:latin typeface="Times New Roman" panose="02020603050405020304" pitchFamily="18" charset="0"/>
+                <a:cs typeface="Times New Roman" panose="02020603050405020304" pitchFamily="18" charset="0"/>
+              </a:rPr>
+              <a:t> </a:t>
+            </a:r>
+            <a:r>
+              <a:rPr lang="de-DE" dirty="0" err="1">
+                <a:latin typeface="Times New Roman" panose="02020603050405020304" pitchFamily="18" charset="0"/>
+                <a:cs typeface="Times New Roman" panose="02020603050405020304" pitchFamily="18" charset="0"/>
+              </a:rPr>
+              <a:t>with</a:t>
+            </a:r>
+            <a:r>
+              <a:rPr lang="de-DE" dirty="0">
+                <a:latin typeface="Times New Roman" panose="02020603050405020304" pitchFamily="18" charset="0"/>
+                <a:cs typeface="Times New Roman" panose="02020603050405020304" pitchFamily="18" charset="0"/>
+              </a:rPr>
+              <a:t> </a:t>
+            </a:r>
+            <a:r>
+              <a:rPr lang="de-DE" dirty="0" err="1">
+                <a:latin typeface="Times New Roman" panose="02020603050405020304" pitchFamily="18" charset="0"/>
+                <a:cs typeface="Times New Roman" panose="02020603050405020304" pitchFamily="18" charset="0"/>
+              </a:rPr>
+              <a:t>Example</a:t>
+            </a:r>
+            <a:r>
+              <a:rPr lang="de-DE" dirty="0">
+                <a:latin typeface="Times New Roman" panose="02020603050405020304" pitchFamily="18" charset="0"/>
+                <a:cs typeface="Times New Roman" panose="02020603050405020304" pitchFamily="18" charset="0"/>
+              </a:rPr>
+              <a:t> 2</a:t>
+            </a:r>
+            <a:endParaRPr lang="en-US" dirty="0">
+              <a:latin typeface="Times New Roman" panose="02020603050405020304" pitchFamily="18" charset="0"/>
+              <a:cs typeface="Times New Roman" panose="02020603050405020304" pitchFamily="18" charset="0"/>
+            </a:endParaRPr>
+          </a:p>
+        </p:txBody>
+      </p:sp>
       <p:sp>
         <p:nvSpPr>
           <p:cNvPr id="4" name="Date Placeholder 3">
@@ -6790,42 +6882,6 @@
           </a:p>
         </p:txBody>
       </p:sp>
-      <p:pic>
-        <p:nvPicPr>
-          <p:cNvPr id="9" name="Picture 8" descr="A screenshot of a computer error&#10;&#10;Description automatically generated with medium confidence">
-            <a:extLst>
-              <a:ext uri="{FF2B5EF4-FFF2-40B4-BE49-F238E27FC236}">
-                <a16:creationId xmlns:a16="http://schemas.microsoft.com/office/drawing/2014/main" id="{BA8CC0B8-9DC1-A8E2-CE42-0B5154DF0517}"/>
-              </a:ext>
-            </a:extLst>
-          </p:cNvPr>
-          <p:cNvPicPr>
-            <a:picLocks noChangeAspect="1"/>
-          </p:cNvPicPr>
-          <p:nvPr/>
-        </p:nvPicPr>
-        <p:blipFill>
-          <a:blip r:embed="rId3">
-            <a:extLst>
-              <a:ext uri="{28A0092B-C50C-407E-A947-70E740481C1C}">
-                <a14:useLocalDpi xmlns:a14="http://schemas.microsoft.com/office/drawing/2010/main" val="0"/>
-              </a:ext>
-            </a:extLst>
-          </a:blip>
-          <a:stretch>
-            <a:fillRect/>
-          </a:stretch>
-        </p:blipFill>
-        <p:spPr>
-          <a:xfrm>
-            <a:off x="6715699" y="2154909"/>
-            <a:ext cx="4667466" cy="3168479"/>
-          </a:xfrm>
-          <a:prstGeom prst="rect">
-            <a:avLst/>
-          </a:prstGeom>
-        </p:spPr>
-      </p:pic>
       <p:sp>
         <p:nvSpPr>
           <p:cNvPr id="10" name="TextBox 9">
@@ -6840,8 +6896,8 @@
         </p:nvSpPr>
         <p:spPr>
           <a:xfrm>
-            <a:off x="808834" y="5388460"/>
-            <a:ext cx="5521433" cy="307777"/>
+            <a:off x="763734" y="5376699"/>
+            <a:ext cx="5179012" cy="307777"/>
           </a:xfrm>
           <a:prstGeom prst="rect">
             <a:avLst/>
@@ -6909,14 +6965,14 @@
                 <a:latin typeface="Times New Roman" panose="02020603050405020304" pitchFamily="18" charset="0"/>
                 <a:cs typeface="Times New Roman" panose="02020603050405020304" pitchFamily="18" charset="0"/>
               </a:rPr>
-              <a:t>ABCStar</a:t>
+              <a:t>HCCStar</a:t>
             </a:r>
             <a:r>
               <a:rPr lang="de-DE" sz="1400" i="1" dirty="0">
                 <a:latin typeface="Times New Roman" panose="02020603050405020304" pitchFamily="18" charset="0"/>
                 <a:cs typeface="Times New Roman" panose="02020603050405020304" pitchFamily="18" charset="0"/>
               </a:rPr>
-              <a:t> Register 0</a:t>
+              <a:t> Register 41</a:t>
             </a:r>
             <a:endParaRPr lang="en-US" sz="1400" i="1" dirty="0">
               <a:latin typeface="Times New Roman" panose="02020603050405020304" pitchFamily="18" charset="0"/>
@@ -6939,8 +6995,8 @@
         </p:nvSpPr>
         <p:spPr>
           <a:xfrm>
-            <a:off x="6715699" y="5388460"/>
-            <a:ext cx="4667467" cy="307777"/>
+            <a:off x="6712900" y="5275172"/>
+            <a:ext cx="4673062" cy="307777"/>
           </a:xfrm>
           <a:prstGeom prst="rect">
             <a:avLst/>
@@ -6996,7 +7052,7 @@
         </p:nvSpPr>
         <p:spPr>
           <a:xfrm>
-            <a:off x="6803922" y="2237832"/>
+            <a:off x="6793465" y="2216913"/>
             <a:ext cx="796412" cy="157316"/>
           </a:xfrm>
           <a:prstGeom prst="rect">
@@ -7050,8 +7106,8 @@
         </p:nvSpPr>
         <p:spPr>
           <a:xfrm>
-            <a:off x="6803921" y="5014667"/>
-            <a:ext cx="993059" cy="225800"/>
+            <a:off x="6793465" y="5073543"/>
+            <a:ext cx="993059" cy="201629"/>
           </a:xfrm>
           <a:prstGeom prst="rect">
             <a:avLst/>
@@ -7090,6 +7146,42 @@
           </a:p>
         </p:txBody>
       </p:sp>
+      <p:pic>
+        <p:nvPicPr>
+          <p:cNvPr id="14" name="Picture 13" descr="A screenshot of a computer&#10;&#10;Description automatically generated with medium confidence">
+            <a:extLst>
+              <a:ext uri="{FF2B5EF4-FFF2-40B4-BE49-F238E27FC236}">
+                <a16:creationId xmlns:a16="http://schemas.microsoft.com/office/drawing/2014/main" id="{1A46A3A2-5EAF-A6FD-46EB-2C9F471AEB6D}"/>
+              </a:ext>
+            </a:extLst>
+          </p:cNvPr>
+          <p:cNvPicPr>
+            <a:picLocks noChangeAspect="1"/>
+          </p:cNvPicPr>
+          <p:nvPr/>
+        </p:nvPicPr>
+        <p:blipFill>
+          <a:blip r:embed="rId3">
+            <a:extLst>
+              <a:ext uri="{28A0092B-C50C-407E-A947-70E740481C1C}">
+                <a14:useLocalDpi xmlns:a14="http://schemas.microsoft.com/office/drawing/2010/main" val="0"/>
+              </a:ext>
+            </a:extLst>
+          </a:blip>
+          <a:stretch>
+            <a:fillRect/>
+          </a:stretch>
+        </p:blipFill>
+        <p:spPr>
+          <a:xfrm>
+            <a:off x="763735" y="2106754"/>
+            <a:ext cx="5179011" cy="3168418"/>
+          </a:xfrm>
+          <a:prstGeom prst="rect">
+            <a:avLst/>
+          </a:prstGeom>
+        </p:spPr>
+      </p:pic>
     </p:spTree>
     <p:extLst>
       <p:ext uri="{BB962C8B-B14F-4D97-AF65-F5344CB8AC3E}">

--- a/itk asic presentation.pptx
+++ b/itk asic presentation.pptx
@@ -5065,6 +5065,44 @@
             <a:pPr>
               <a:buFont typeface="Arial" panose="020B0604020202020204" pitchFamily="34" charset="0"/>
               <a:buChar char="•"/>
+            </a:pPr>
+            <a:r>
+              <a:rPr lang="de-DE" dirty="0">
+                <a:latin typeface="Times New Roman" panose="02020603050405020304" pitchFamily="18" charset="0"/>
+                <a:cs typeface="Times New Roman" panose="02020603050405020304" pitchFamily="18" charset="0"/>
+              </a:rPr>
+              <a:t> New </a:t>
+            </a:r>
+            <a:r>
+              <a:rPr lang="de-DE" dirty="0" err="1">
+                <a:latin typeface="Times New Roman" panose="02020603050405020304" pitchFamily="18" charset="0"/>
+                <a:cs typeface="Times New Roman" panose="02020603050405020304" pitchFamily="18" charset="0"/>
+              </a:rPr>
+              <a:t>version</a:t>
+            </a:r>
+            <a:r>
+              <a:rPr lang="de-DE" dirty="0">
+                <a:latin typeface="Times New Roman" panose="02020603050405020304" pitchFamily="18" charset="0"/>
+                <a:cs typeface="Times New Roman" panose="02020603050405020304" pitchFamily="18" charset="0"/>
+              </a:rPr>
+              <a:t>: </a:t>
+            </a:r>
+            <a:r>
+              <a:rPr lang="en-GB" dirty="0">
+                <a:latin typeface="Times New Roman" panose="02020603050405020304" pitchFamily="18" charset="0"/>
+                <a:cs typeface="Times New Roman" panose="02020603050405020304" pitchFamily="18" charset="0"/>
+                <a:hlinkClick r:id="rId3"/>
+              </a:rPr>
+              <a:t>https://github.com/gretagoldberg/Register_Converter.git</a:t>
+            </a:r>
+            <a:endParaRPr lang="en-GB" dirty="0">
+              <a:latin typeface="Times New Roman" panose="02020603050405020304" pitchFamily="18" charset="0"/>
+              <a:cs typeface="Times New Roman" panose="02020603050405020304" pitchFamily="18" charset="0"/>
+            </a:endParaRPr>
+          </a:p>
+          <a:p>
+            <a:pPr marL="0" indent="0">
+              <a:buNone/>
             </a:pPr>
             <a:endParaRPr lang="de-DE" dirty="0">
               <a:latin typeface="Times New Roman" panose="02020603050405020304" pitchFamily="18" charset="0"/>

--- a/itk asic presentation.pptx
+++ b/itk asic presentation.pptx
@@ -737,6 +737,10 @@
           <a:bodyPr/>
           <a:lstStyle/>
           <a:p>
+            <a:r>
+              <a:rPr lang="en-GB"/>
+              <a:t>ITk Strips System Tests &amp; DAQ Meeting</a:t>
+            </a:r>
             <a:endParaRPr lang="en-US"/>
           </a:p>
         </p:txBody>
@@ -944,6 +948,10 @@
           <a:bodyPr/>
           <a:lstStyle/>
           <a:p>
+            <a:r>
+              <a:rPr lang="en-GB"/>
+              <a:t>ITk Strips System Tests &amp; DAQ Meeting</a:t>
+            </a:r>
             <a:endParaRPr lang="en-US"/>
           </a:p>
         </p:txBody>
@@ -1201,6 +1209,10 @@
           <a:bodyPr/>
           <a:lstStyle/>
           <a:p>
+            <a:r>
+              <a:rPr lang="en-GB"/>
+              <a:t>ITk Strips System Tests &amp; DAQ Meeting</a:t>
+            </a:r>
             <a:endParaRPr lang="en-US"/>
           </a:p>
         </p:txBody>
@@ -1370,6 +1382,10 @@
           <a:bodyPr/>
           <a:lstStyle/>
           <a:p>
+            <a:r>
+              <a:rPr lang="en-GB"/>
+              <a:t>ITk Strips System Tests &amp; DAQ Meeting</a:t>
+            </a:r>
             <a:endParaRPr lang="en-US"/>
           </a:p>
         </p:txBody>
@@ -1706,6 +1722,10 @@
           <a:bodyPr/>
           <a:lstStyle/>
           <a:p>
+            <a:r>
+              <a:rPr lang="en-GB"/>
+              <a:t>ITk Strips System Tests &amp; DAQ Meeting</a:t>
+            </a:r>
             <a:endParaRPr lang="en-US"/>
           </a:p>
         </p:txBody>
@@ -1980,6 +2000,10 @@
           <a:bodyPr/>
           <a:lstStyle/>
           <a:p>
+            <a:r>
+              <a:rPr lang="en-GB"/>
+              <a:t>ITk Strips System Tests &amp; DAQ Meeting</a:t>
+            </a:r>
             <a:endParaRPr lang="en-US"/>
           </a:p>
         </p:txBody>
@@ -2358,6 +2382,10 @@
           <a:bodyPr/>
           <a:lstStyle/>
           <a:p>
+            <a:r>
+              <a:rPr lang="en-GB"/>
+              <a:t>ITk Strips System Tests &amp; DAQ Meeting</a:t>
+            </a:r>
             <a:endParaRPr lang="en-US"/>
           </a:p>
         </p:txBody>
@@ -2475,6 +2503,10 @@
           <a:bodyPr/>
           <a:lstStyle/>
           <a:p>
+            <a:r>
+              <a:rPr lang="en-GB"/>
+              <a:t>ITk Strips System Tests &amp; DAQ Meeting</a:t>
+            </a:r>
             <a:endParaRPr lang="en-US"/>
           </a:p>
         </p:txBody>
@@ -2655,6 +2687,10 @@
             </a:lvl1pPr>
           </a:lstStyle>
           <a:p>
+            <a:r>
+              <a:rPr lang="en-GB"/>
+              <a:t>ITk Strips System Tests &amp; DAQ Meeting</a:t>
+            </a:r>
             <a:endParaRPr lang="en-US"/>
           </a:p>
         </p:txBody>
@@ -3015,6 +3051,10 @@
             </a:lvl1pPr>
           </a:lstStyle>
           <a:p>
+            <a:r>
+              <a:rPr lang="en-GB"/>
+              <a:t>ITk Strips System Tests &amp; DAQ Meeting</a:t>
+            </a:r>
             <a:endParaRPr lang="en-US"/>
           </a:p>
         </p:txBody>
@@ -3380,6 +3420,10 @@
           <a:bodyPr/>
           <a:lstStyle/>
           <a:p>
+            <a:r>
+              <a:rPr lang="en-GB"/>
+              <a:t>ITk Strips System Tests &amp; DAQ Meeting</a:t>
+            </a:r>
             <a:endParaRPr lang="en-US"/>
           </a:p>
         </p:txBody>
@@ -3684,6 +3728,10 @@
             </a:lvl1pPr>
           </a:lstStyle>
           <a:p>
+            <a:r>
+              <a:rPr lang="en-GB"/>
+              <a:t>ITk Strips System Tests &amp; DAQ Meeting</a:t>
+            </a:r>
             <a:endParaRPr lang="en-US"/>
           </a:p>
         </p:txBody>
@@ -3786,7 +3834,7 @@
     <p:sldLayoutId id="2147483718" r:id="rId10"/>
     <p:sldLayoutId id="2147483719" r:id="rId11"/>
   </p:sldLayoutIdLst>
-  <p:hf hdr="0" ftr="0"/>
+  <p:hf hdr="0"/>
   <p:txStyles>
     <p:titleStyle>
       <a:lvl1pPr algn="l" defTabSz="914400" rtl="0" eaLnBrk="1" latinLnBrk="0" hangingPunct="1">
@@ -4237,10 +4285,16 @@
           <a:lstStyle/>
           <a:p>
             <a:fld id="{73742D75-8AE6-4B9D-B26F-34D112FD718B}" type="slidenum">
-              <a:rPr lang="en-US" smtClean="0"/>
+              <a:rPr lang="en-US" smtClean="0">
+                <a:latin typeface="Times New Roman" panose="02020603050405020304" pitchFamily="18" charset="0"/>
+                <a:cs typeface="Times New Roman" panose="02020603050405020304" pitchFamily="18" charset="0"/>
+              </a:rPr>
               <a:t>1</a:t>
             </a:fld>
-            <a:endParaRPr lang="en-US"/>
+            <a:endParaRPr lang="en-US">
+              <a:latin typeface="Times New Roman" panose="02020603050405020304" pitchFamily="18" charset="0"/>
+              <a:cs typeface="Times New Roman" panose="02020603050405020304" pitchFamily="18" charset="0"/>
+            </a:endParaRPr>
           </a:p>
         </p:txBody>
       </p:sp>
@@ -4266,9 +4320,16 @@
           <a:lstStyle/>
           <a:p>
             <a:r>
-              <a:rPr lang="en-US"/>
+              <a:rPr lang="en-US">
+                <a:latin typeface="Times New Roman" panose="02020603050405020304" pitchFamily="18" charset="0"/>
+                <a:cs typeface="Times New Roman" panose="02020603050405020304" pitchFamily="18" charset="0"/>
+              </a:rPr>
               <a:t>22.06.2023</a:t>
             </a:r>
+            <a:endParaRPr lang="en-US" dirty="0">
+              <a:latin typeface="Times New Roman" panose="02020603050405020304" pitchFamily="18" charset="0"/>
+              <a:cs typeface="Times New Roman" panose="02020603050405020304" pitchFamily="18" charset="0"/>
+            </a:endParaRPr>
           </a:p>
         </p:txBody>
       </p:sp>
@@ -4356,11 +4417,46 @@
                 <a:latin typeface="Times New Roman" panose="02020603050405020304" pitchFamily="18" charset="0"/>
                 <a:cs typeface="Times New Roman" panose="02020603050405020304" pitchFamily="18" charset="0"/>
               </a:rPr>
-              <a:t> Strips System Test &amp; DAQ Meeting</a:t>
+              <a:t> Strips System Tests and DAQ Meeting</a:t>
             </a:r>
           </a:p>
           <a:p>
             <a:pPr algn="ctr"/>
+            <a:endParaRPr lang="en-US" dirty="0">
+              <a:latin typeface="Times New Roman" panose="02020603050405020304" pitchFamily="18" charset="0"/>
+              <a:cs typeface="Times New Roman" panose="02020603050405020304" pitchFamily="18" charset="0"/>
+            </a:endParaRPr>
+          </a:p>
+        </p:txBody>
+      </p:sp>
+      <p:sp>
+        <p:nvSpPr>
+          <p:cNvPr id="3" name="Footer Placeholder 2">
+            <a:extLst>
+              <a:ext uri="{FF2B5EF4-FFF2-40B4-BE49-F238E27FC236}">
+                <a16:creationId xmlns:a16="http://schemas.microsoft.com/office/drawing/2014/main" id="{1B4D13B7-A8D9-F211-D069-21870295263C}"/>
+              </a:ext>
+            </a:extLst>
+          </p:cNvPr>
+          <p:cNvSpPr>
+            <a:spLocks noGrp="1"/>
+          </p:cNvSpPr>
+          <p:nvPr>
+            <p:ph type="ftr" sz="quarter" idx="11"/>
+          </p:nvPr>
+        </p:nvSpPr>
+        <p:spPr/>
+        <p:txBody>
+          <a:bodyPr/>
+          <a:lstStyle/>
+          <a:p>
+            <a:r>
+              <a:rPr lang="en-GB">
+                <a:latin typeface="Times New Roman" panose="02020603050405020304" pitchFamily="18" charset="0"/>
+                <a:cs typeface="Times New Roman" panose="02020603050405020304" pitchFamily="18" charset="0"/>
+              </a:rPr>
+              <a:t>ITk Strips System Tests &amp; DAQ Meeting</a:t>
+            </a:r>
             <a:endParaRPr lang="en-US" dirty="0">
               <a:latin typeface="Times New Roman" panose="02020603050405020304" pitchFamily="18" charset="0"/>
               <a:cs typeface="Times New Roman" panose="02020603050405020304" pitchFamily="18" charset="0"/>
@@ -5143,9 +5239,16 @@
           <a:lstStyle/>
           <a:p>
             <a:r>
-              <a:rPr lang="en-US"/>
+              <a:rPr lang="en-US">
+                <a:latin typeface="Times New Roman" panose="02020603050405020304" pitchFamily="18" charset="0"/>
+                <a:cs typeface="Times New Roman" panose="02020603050405020304" pitchFamily="18" charset="0"/>
+              </a:rPr>
               <a:t>22.06.2023</a:t>
             </a:r>
+            <a:endParaRPr lang="en-US" dirty="0">
+              <a:latin typeface="Times New Roman" panose="02020603050405020304" pitchFamily="18" charset="0"/>
+              <a:cs typeface="Times New Roman" panose="02020603050405020304" pitchFamily="18" charset="0"/>
+            </a:endParaRPr>
           </a:p>
         </p:txBody>
       </p:sp>
@@ -5171,10 +5274,51 @@
           <a:lstStyle/>
           <a:p>
             <a:fld id="{73742D75-8AE6-4B9D-B26F-34D112FD718B}" type="slidenum">
-              <a:rPr lang="en-US" smtClean="0"/>
+              <a:rPr lang="en-US" smtClean="0">
+                <a:latin typeface="Times New Roman" panose="02020603050405020304" pitchFamily="18" charset="0"/>
+                <a:cs typeface="Times New Roman" panose="02020603050405020304" pitchFamily="18" charset="0"/>
+              </a:rPr>
               <a:t>2</a:t>
             </a:fld>
-            <a:endParaRPr lang="en-US"/>
+            <a:endParaRPr lang="en-US" dirty="0">
+              <a:latin typeface="Times New Roman" panose="02020603050405020304" pitchFamily="18" charset="0"/>
+              <a:cs typeface="Times New Roman" panose="02020603050405020304" pitchFamily="18" charset="0"/>
+            </a:endParaRPr>
+          </a:p>
+        </p:txBody>
+      </p:sp>
+      <p:sp>
+        <p:nvSpPr>
+          <p:cNvPr id="6" name="Footer Placeholder 5">
+            <a:extLst>
+              <a:ext uri="{FF2B5EF4-FFF2-40B4-BE49-F238E27FC236}">
+                <a16:creationId xmlns:a16="http://schemas.microsoft.com/office/drawing/2014/main" id="{B3C8591D-9896-1CB0-74B7-687EC2D05DE6}"/>
+              </a:ext>
+            </a:extLst>
+          </p:cNvPr>
+          <p:cNvSpPr>
+            <a:spLocks noGrp="1"/>
+          </p:cNvSpPr>
+          <p:nvPr>
+            <p:ph type="ftr" sz="quarter" idx="11"/>
+          </p:nvPr>
+        </p:nvSpPr>
+        <p:spPr/>
+        <p:txBody>
+          <a:bodyPr/>
+          <a:lstStyle/>
+          <a:p>
+            <a:r>
+              <a:rPr lang="en-GB">
+                <a:latin typeface="Times New Roman" panose="02020603050405020304" pitchFamily="18" charset="0"/>
+                <a:cs typeface="Times New Roman" panose="02020603050405020304" pitchFamily="18" charset="0"/>
+              </a:rPr>
+              <a:t>ITk Strips System Tests &amp; DAQ Meeting</a:t>
+            </a:r>
+            <a:endParaRPr lang="en-US" dirty="0">
+              <a:latin typeface="Times New Roman" panose="02020603050405020304" pitchFamily="18" charset="0"/>
+              <a:cs typeface="Times New Roman" panose="02020603050405020304" pitchFamily="18" charset="0"/>
+            </a:endParaRPr>
           </a:p>
         </p:txBody>
       </p:sp>
@@ -5301,9 +5445,16 @@
           <a:lstStyle/>
           <a:p>
             <a:r>
-              <a:rPr lang="en-US"/>
+              <a:rPr lang="en-US">
+                <a:latin typeface="Times New Roman" panose="02020603050405020304" pitchFamily="18" charset="0"/>
+                <a:cs typeface="Times New Roman" panose="02020603050405020304" pitchFamily="18" charset="0"/>
+              </a:rPr>
               <a:t>22.06.2023</a:t>
             </a:r>
+            <a:endParaRPr lang="en-US" dirty="0">
+              <a:latin typeface="Times New Roman" panose="02020603050405020304" pitchFamily="18" charset="0"/>
+              <a:cs typeface="Times New Roman" panose="02020603050405020304" pitchFamily="18" charset="0"/>
+            </a:endParaRPr>
           </a:p>
         </p:txBody>
       </p:sp>
@@ -5329,10 +5480,16 @@
           <a:lstStyle/>
           <a:p>
             <a:fld id="{73742D75-8AE6-4B9D-B26F-34D112FD718B}" type="slidenum">
-              <a:rPr lang="en-US" smtClean="0"/>
+              <a:rPr lang="en-US" smtClean="0">
+                <a:latin typeface="Times New Roman" panose="02020603050405020304" pitchFamily="18" charset="0"/>
+                <a:cs typeface="Times New Roman" panose="02020603050405020304" pitchFamily="18" charset="0"/>
+              </a:rPr>
               <a:t>3</a:t>
             </a:fld>
-            <a:endParaRPr lang="en-US"/>
+            <a:endParaRPr lang="en-US" dirty="0">
+              <a:latin typeface="Times New Roman" panose="02020603050405020304" pitchFamily="18" charset="0"/>
+              <a:cs typeface="Times New Roman" panose="02020603050405020304" pitchFamily="18" charset="0"/>
+            </a:endParaRPr>
           </a:p>
         </p:txBody>
       </p:sp>
@@ -5548,6 +5705,41 @@
           </a:p>
         </p:txBody>
       </p:sp>
+      <p:sp>
+        <p:nvSpPr>
+          <p:cNvPr id="3" name="Footer Placeholder 2">
+            <a:extLst>
+              <a:ext uri="{FF2B5EF4-FFF2-40B4-BE49-F238E27FC236}">
+                <a16:creationId xmlns:a16="http://schemas.microsoft.com/office/drawing/2014/main" id="{2910CD1E-C0BC-22C5-E971-99550CDAA8D9}"/>
+              </a:ext>
+            </a:extLst>
+          </p:cNvPr>
+          <p:cNvSpPr>
+            <a:spLocks noGrp="1"/>
+          </p:cNvSpPr>
+          <p:nvPr>
+            <p:ph type="ftr" sz="quarter" idx="11"/>
+          </p:nvPr>
+        </p:nvSpPr>
+        <p:spPr/>
+        <p:txBody>
+          <a:bodyPr/>
+          <a:lstStyle/>
+          <a:p>
+            <a:r>
+              <a:rPr lang="en-GB">
+                <a:latin typeface="Times New Roman" panose="02020603050405020304" pitchFamily="18" charset="0"/>
+                <a:cs typeface="Times New Roman" panose="02020603050405020304" pitchFamily="18" charset="0"/>
+              </a:rPr>
+              <a:t>ITk Strips System Tests &amp; DAQ Meeting</a:t>
+            </a:r>
+            <a:endParaRPr lang="en-US" dirty="0">
+              <a:latin typeface="Times New Roman" panose="02020603050405020304" pitchFamily="18" charset="0"/>
+              <a:cs typeface="Times New Roman" panose="02020603050405020304" pitchFamily="18" charset="0"/>
+            </a:endParaRPr>
+          </a:p>
+        </p:txBody>
+      </p:sp>
     </p:spTree>
     <p:extLst>
       <p:ext uri="{BB962C8B-B14F-4D97-AF65-F5344CB8AC3E}">
@@ -5685,7 +5877,10 @@
           <a:lstStyle/>
           <a:p>
             <a:r>
-              <a:rPr lang="en-US"/>
+              <a:rPr lang="en-US">
+                <a:latin typeface="Times New Roman" panose="02020603050405020304" pitchFamily="18" charset="0"/>
+                <a:cs typeface="Times New Roman" panose="02020603050405020304" pitchFamily="18" charset="0"/>
+              </a:rPr>
               <a:t>22.06.2023</a:t>
             </a:r>
           </a:p>
@@ -5713,10 +5908,16 @@
           <a:lstStyle/>
           <a:p>
             <a:fld id="{73742D75-8AE6-4B9D-B26F-34D112FD718B}" type="slidenum">
-              <a:rPr lang="en-US" smtClean="0"/>
+              <a:rPr lang="en-US" smtClean="0">
+                <a:latin typeface="Times New Roman" panose="02020603050405020304" pitchFamily="18" charset="0"/>
+                <a:cs typeface="Times New Roman" panose="02020603050405020304" pitchFamily="18" charset="0"/>
+              </a:rPr>
               <a:t>4</a:t>
             </a:fld>
-            <a:endParaRPr lang="en-US"/>
+            <a:endParaRPr lang="en-US">
+              <a:latin typeface="Times New Roman" panose="02020603050405020304" pitchFamily="18" charset="0"/>
+              <a:cs typeface="Times New Roman" panose="02020603050405020304" pitchFamily="18" charset="0"/>
+            </a:endParaRPr>
           </a:p>
         </p:txBody>
       </p:sp>
@@ -5978,6 +6179,41 @@
               <a:t>Descriptions</a:t>
             </a:r>
             <a:endParaRPr lang="en-US" sz="1400" i="1" dirty="0">
+              <a:latin typeface="Times New Roman" panose="02020603050405020304" pitchFamily="18" charset="0"/>
+              <a:cs typeface="Times New Roman" panose="02020603050405020304" pitchFamily="18" charset="0"/>
+            </a:endParaRPr>
+          </a:p>
+        </p:txBody>
+      </p:sp>
+      <p:sp>
+        <p:nvSpPr>
+          <p:cNvPr id="3" name="Footer Placeholder 2">
+            <a:extLst>
+              <a:ext uri="{FF2B5EF4-FFF2-40B4-BE49-F238E27FC236}">
+                <a16:creationId xmlns:a16="http://schemas.microsoft.com/office/drawing/2014/main" id="{CFBBE7D7-4923-474C-0E1A-C017B4AEC258}"/>
+              </a:ext>
+            </a:extLst>
+          </p:cNvPr>
+          <p:cNvSpPr>
+            <a:spLocks noGrp="1"/>
+          </p:cNvSpPr>
+          <p:nvPr>
+            <p:ph type="ftr" sz="quarter" idx="11"/>
+          </p:nvPr>
+        </p:nvSpPr>
+        <p:spPr/>
+        <p:txBody>
+          <a:bodyPr/>
+          <a:lstStyle/>
+          <a:p>
+            <a:r>
+              <a:rPr lang="en-GB">
+                <a:latin typeface="Times New Roman" panose="02020603050405020304" pitchFamily="18" charset="0"/>
+                <a:cs typeface="Times New Roman" panose="02020603050405020304" pitchFamily="18" charset="0"/>
+              </a:rPr>
+              <a:t>ITk Strips System Tests &amp; DAQ Meeting</a:t>
+            </a:r>
+            <a:endParaRPr lang="en-US">
               <a:latin typeface="Times New Roman" panose="02020603050405020304" pitchFamily="18" charset="0"/>
               <a:cs typeface="Times New Roman" panose="02020603050405020304" pitchFamily="18" charset="0"/>
             </a:endParaRPr>
@@ -6179,9 +6415,16 @@
           <a:lstStyle/>
           <a:p>
             <a:r>
-              <a:rPr lang="en-US"/>
+              <a:rPr lang="en-US">
+                <a:latin typeface="Times New Roman" panose="02020603050405020304" pitchFamily="18" charset="0"/>
+                <a:cs typeface="Times New Roman" panose="02020603050405020304" pitchFamily="18" charset="0"/>
+              </a:rPr>
               <a:t>22.06.2023</a:t>
             </a:r>
+            <a:endParaRPr lang="en-US" dirty="0">
+              <a:latin typeface="Times New Roman" panose="02020603050405020304" pitchFamily="18" charset="0"/>
+              <a:cs typeface="Times New Roman" panose="02020603050405020304" pitchFamily="18" charset="0"/>
+            </a:endParaRPr>
           </a:p>
         </p:txBody>
       </p:sp>
@@ -6207,10 +6450,16 @@
           <a:lstStyle/>
           <a:p>
             <a:fld id="{73742D75-8AE6-4B9D-B26F-34D112FD718B}" type="slidenum">
-              <a:rPr lang="en-US" smtClean="0"/>
+              <a:rPr lang="en-US" smtClean="0">
+                <a:latin typeface="Times New Roman" panose="02020603050405020304" pitchFamily="18" charset="0"/>
+                <a:cs typeface="Times New Roman" panose="02020603050405020304" pitchFamily="18" charset="0"/>
+              </a:rPr>
               <a:t>5</a:t>
             </a:fld>
-            <a:endParaRPr lang="en-US"/>
+            <a:endParaRPr lang="en-US">
+              <a:latin typeface="Times New Roman" panose="02020603050405020304" pitchFamily="18" charset="0"/>
+              <a:cs typeface="Times New Roman" panose="02020603050405020304" pitchFamily="18" charset="0"/>
+            </a:endParaRPr>
           </a:p>
         </p:txBody>
       </p:sp>
@@ -6718,6 +6967,41 @@
           <a:p>
             <a:pPr algn="ctr"/>
             <a:endParaRPr lang="en-US"/>
+          </a:p>
+        </p:txBody>
+      </p:sp>
+      <p:sp>
+        <p:nvSpPr>
+          <p:cNvPr id="21" name="Footer Placeholder 20">
+            <a:extLst>
+              <a:ext uri="{FF2B5EF4-FFF2-40B4-BE49-F238E27FC236}">
+                <a16:creationId xmlns:a16="http://schemas.microsoft.com/office/drawing/2014/main" id="{DBA850C7-4D29-CF8B-1591-0CED1246E266}"/>
+              </a:ext>
+            </a:extLst>
+          </p:cNvPr>
+          <p:cNvSpPr>
+            <a:spLocks noGrp="1"/>
+          </p:cNvSpPr>
+          <p:nvPr>
+            <p:ph type="ftr" sz="quarter" idx="11"/>
+          </p:nvPr>
+        </p:nvSpPr>
+        <p:spPr/>
+        <p:txBody>
+          <a:bodyPr/>
+          <a:lstStyle/>
+          <a:p>
+            <a:r>
+              <a:rPr lang="en-GB">
+                <a:latin typeface="Times New Roman" panose="02020603050405020304" pitchFamily="18" charset="0"/>
+                <a:cs typeface="Times New Roman" panose="02020603050405020304" pitchFamily="18" charset="0"/>
+              </a:rPr>
+              <a:t>ITk Strips System Tests &amp; DAQ Meeting</a:t>
+            </a:r>
+            <a:endParaRPr lang="en-US" dirty="0">
+              <a:latin typeface="Times New Roman" panose="02020603050405020304" pitchFamily="18" charset="0"/>
+              <a:cs typeface="Times New Roman" panose="02020603050405020304" pitchFamily="18" charset="0"/>
+            </a:endParaRPr>
           </a:p>
         </p:txBody>
       </p:sp>
@@ -6885,9 +7169,16 @@
           <a:lstStyle/>
           <a:p>
             <a:r>
-              <a:rPr lang="en-US"/>
+              <a:rPr lang="en-US">
+                <a:latin typeface="Times New Roman" panose="02020603050405020304" pitchFamily="18" charset="0"/>
+                <a:cs typeface="Times New Roman" panose="02020603050405020304" pitchFamily="18" charset="0"/>
+              </a:rPr>
               <a:t>22.06.2023</a:t>
             </a:r>
+            <a:endParaRPr lang="en-US" dirty="0">
+              <a:latin typeface="Times New Roman" panose="02020603050405020304" pitchFamily="18" charset="0"/>
+              <a:cs typeface="Times New Roman" panose="02020603050405020304" pitchFamily="18" charset="0"/>
+            </a:endParaRPr>
           </a:p>
         </p:txBody>
       </p:sp>
@@ -6913,10 +7204,16 @@
           <a:lstStyle/>
           <a:p>
             <a:fld id="{73742D75-8AE6-4B9D-B26F-34D112FD718B}" type="slidenum">
-              <a:rPr lang="en-US" smtClean="0"/>
+              <a:rPr lang="en-US" smtClean="0">
+                <a:latin typeface="Times New Roman" panose="02020603050405020304" pitchFamily="18" charset="0"/>
+                <a:cs typeface="Times New Roman" panose="02020603050405020304" pitchFamily="18" charset="0"/>
+              </a:rPr>
               <a:t>6</a:t>
             </a:fld>
-            <a:endParaRPr lang="en-US"/>
+            <a:endParaRPr lang="en-US">
+              <a:latin typeface="Times New Roman" panose="02020603050405020304" pitchFamily="18" charset="0"/>
+              <a:cs typeface="Times New Roman" panose="02020603050405020304" pitchFamily="18" charset="0"/>
+            </a:endParaRPr>
           </a:p>
         </p:txBody>
       </p:sp>
@@ -7220,6 +7517,41 @@
           </a:prstGeom>
         </p:spPr>
       </p:pic>
+      <p:sp>
+        <p:nvSpPr>
+          <p:cNvPr id="19" name="Footer Placeholder 18">
+            <a:extLst>
+              <a:ext uri="{FF2B5EF4-FFF2-40B4-BE49-F238E27FC236}">
+                <a16:creationId xmlns:a16="http://schemas.microsoft.com/office/drawing/2014/main" id="{61E20E74-BD98-D419-D7D4-201D2BB71F9A}"/>
+              </a:ext>
+            </a:extLst>
+          </p:cNvPr>
+          <p:cNvSpPr>
+            <a:spLocks noGrp="1"/>
+          </p:cNvSpPr>
+          <p:nvPr>
+            <p:ph type="ftr" sz="quarter" idx="11"/>
+          </p:nvPr>
+        </p:nvSpPr>
+        <p:spPr/>
+        <p:txBody>
+          <a:bodyPr/>
+          <a:lstStyle/>
+          <a:p>
+            <a:r>
+              <a:rPr lang="en-GB">
+                <a:latin typeface="Times New Roman" panose="02020603050405020304" pitchFamily="18" charset="0"/>
+                <a:cs typeface="Times New Roman" panose="02020603050405020304" pitchFamily="18" charset="0"/>
+              </a:rPr>
+              <a:t>ITk Strips System Tests &amp; DAQ Meeting</a:t>
+            </a:r>
+            <a:endParaRPr lang="en-US" dirty="0">
+              <a:latin typeface="Times New Roman" panose="02020603050405020304" pitchFamily="18" charset="0"/>
+              <a:cs typeface="Times New Roman" panose="02020603050405020304" pitchFamily="18" charset="0"/>
+            </a:endParaRPr>
+          </a:p>
+        </p:txBody>
+      </p:sp>
     </p:spTree>
     <p:extLst>
       <p:ext uri="{BB962C8B-B14F-4D97-AF65-F5344CB8AC3E}">
@@ -7446,7 +7778,10 @@
           <a:lstStyle/>
           <a:p>
             <a:r>
-              <a:rPr lang="en-US"/>
+              <a:rPr lang="en-US">
+                <a:latin typeface="Times New Roman" panose="02020603050405020304" pitchFamily="18" charset="0"/>
+                <a:cs typeface="Times New Roman" panose="02020603050405020304" pitchFamily="18" charset="0"/>
+              </a:rPr>
               <a:t>22.06.2023</a:t>
             </a:r>
           </a:p>
@@ -7474,10 +7809,51 @@
           <a:lstStyle/>
           <a:p>
             <a:fld id="{73742D75-8AE6-4B9D-B26F-34D112FD718B}" type="slidenum">
-              <a:rPr lang="en-US" smtClean="0"/>
+              <a:rPr lang="en-US" smtClean="0">
+                <a:latin typeface="Times New Roman" panose="02020603050405020304" pitchFamily="18" charset="0"/>
+                <a:cs typeface="Times New Roman" panose="02020603050405020304" pitchFamily="18" charset="0"/>
+              </a:rPr>
               <a:t>7</a:t>
             </a:fld>
-            <a:endParaRPr lang="en-US"/>
+            <a:endParaRPr lang="en-US" dirty="0">
+              <a:latin typeface="Times New Roman" panose="02020603050405020304" pitchFamily="18" charset="0"/>
+              <a:cs typeface="Times New Roman" panose="02020603050405020304" pitchFamily="18" charset="0"/>
+            </a:endParaRPr>
+          </a:p>
+        </p:txBody>
+      </p:sp>
+      <p:sp>
+        <p:nvSpPr>
+          <p:cNvPr id="6" name="Footer Placeholder 5">
+            <a:extLst>
+              <a:ext uri="{FF2B5EF4-FFF2-40B4-BE49-F238E27FC236}">
+                <a16:creationId xmlns:a16="http://schemas.microsoft.com/office/drawing/2014/main" id="{C46FF961-752A-1C56-0715-E73C52236E72}"/>
+              </a:ext>
+            </a:extLst>
+          </p:cNvPr>
+          <p:cNvSpPr>
+            <a:spLocks noGrp="1"/>
+          </p:cNvSpPr>
+          <p:nvPr>
+            <p:ph type="ftr" sz="quarter" idx="11"/>
+          </p:nvPr>
+        </p:nvSpPr>
+        <p:spPr/>
+        <p:txBody>
+          <a:bodyPr/>
+          <a:lstStyle/>
+          <a:p>
+            <a:r>
+              <a:rPr lang="en-GB">
+                <a:latin typeface="Times New Roman" panose="02020603050405020304" pitchFamily="18" charset="0"/>
+                <a:cs typeface="Times New Roman" panose="02020603050405020304" pitchFamily="18" charset="0"/>
+              </a:rPr>
+              <a:t>ITk Strips System Tests &amp; DAQ Meeting</a:t>
+            </a:r>
+            <a:endParaRPr lang="en-US" dirty="0">
+              <a:latin typeface="Times New Roman" panose="02020603050405020304" pitchFamily="18" charset="0"/>
+              <a:cs typeface="Times New Roman" panose="02020603050405020304" pitchFamily="18" charset="0"/>
+            </a:endParaRPr>
           </a:p>
         </p:txBody>
       </p:sp>
